--- a/Presentation.pptx
+++ b/Presentation.pptx
@@ -5,9 +5,10 @@
     <p:sldMasterId id="2147483648" r:id="rId1"/>
   </p:sldMasterIdLst>
   <p:sldIdLst>
-    <p:sldId id="260" r:id="rId2"/>
-    <p:sldId id="259" r:id="rId3"/>
-    <p:sldId id="257" r:id="rId4"/>
+    <p:sldId id="261" r:id="rId2"/>
+    <p:sldId id="260" r:id="rId3"/>
+    <p:sldId id="259" r:id="rId4"/>
+    <p:sldId id="257" r:id="rId5"/>
   </p:sldIdLst>
   <p:sldSz cx="12192000" cy="6858000"/>
   <p:notesSz cx="6858000" cy="9144000"/>
@@ -245,7 +246,7 @@
           <a:p>
             <a:fld id="{9E817F71-193B-482B-87E9-66892252EB0B}" type="datetimeFigureOut">
               <a:rPr lang="pt-BR" smtClean="0"/>
-              <a:t>15/06/2018</a:t>
+              <a:t>17/06/2018</a:t>
             </a:fld>
             <a:endParaRPr lang="pt-BR"/>
           </a:p>
@@ -415,7 +416,7 @@
           <a:p>
             <a:fld id="{9E817F71-193B-482B-87E9-66892252EB0B}" type="datetimeFigureOut">
               <a:rPr lang="pt-BR" smtClean="0"/>
-              <a:t>15/06/2018</a:t>
+              <a:t>17/06/2018</a:t>
             </a:fld>
             <a:endParaRPr lang="pt-BR"/>
           </a:p>
@@ -595,7 +596,7 @@
           <a:p>
             <a:fld id="{9E817F71-193B-482B-87E9-66892252EB0B}" type="datetimeFigureOut">
               <a:rPr lang="pt-BR" smtClean="0"/>
-              <a:t>15/06/2018</a:t>
+              <a:t>17/06/2018</a:t>
             </a:fld>
             <a:endParaRPr lang="pt-BR"/>
           </a:p>
@@ -765,7 +766,7 @@
           <a:p>
             <a:fld id="{9E817F71-193B-482B-87E9-66892252EB0B}" type="datetimeFigureOut">
               <a:rPr lang="pt-BR" smtClean="0"/>
-              <a:t>15/06/2018</a:t>
+              <a:t>17/06/2018</a:t>
             </a:fld>
             <a:endParaRPr lang="pt-BR"/>
           </a:p>
@@ -1011,7 +1012,7 @@
           <a:p>
             <a:fld id="{9E817F71-193B-482B-87E9-66892252EB0B}" type="datetimeFigureOut">
               <a:rPr lang="pt-BR" smtClean="0"/>
-              <a:t>15/06/2018</a:t>
+              <a:t>17/06/2018</a:t>
             </a:fld>
             <a:endParaRPr lang="pt-BR"/>
           </a:p>
@@ -1243,7 +1244,7 @@
           <a:p>
             <a:fld id="{9E817F71-193B-482B-87E9-66892252EB0B}" type="datetimeFigureOut">
               <a:rPr lang="pt-BR" smtClean="0"/>
-              <a:t>15/06/2018</a:t>
+              <a:t>17/06/2018</a:t>
             </a:fld>
             <a:endParaRPr lang="pt-BR"/>
           </a:p>
@@ -1610,7 +1611,7 @@
           <a:p>
             <a:fld id="{9E817F71-193B-482B-87E9-66892252EB0B}" type="datetimeFigureOut">
               <a:rPr lang="pt-BR" smtClean="0"/>
-              <a:t>15/06/2018</a:t>
+              <a:t>17/06/2018</a:t>
             </a:fld>
             <a:endParaRPr lang="pt-BR"/>
           </a:p>
@@ -1728,7 +1729,7 @@
           <a:p>
             <a:fld id="{9E817F71-193B-482B-87E9-66892252EB0B}" type="datetimeFigureOut">
               <a:rPr lang="pt-BR" smtClean="0"/>
-              <a:t>15/06/2018</a:t>
+              <a:t>17/06/2018</a:t>
             </a:fld>
             <a:endParaRPr lang="pt-BR"/>
           </a:p>
@@ -1823,7 +1824,7 @@
           <a:p>
             <a:fld id="{9E817F71-193B-482B-87E9-66892252EB0B}" type="datetimeFigureOut">
               <a:rPr lang="pt-BR" smtClean="0"/>
-              <a:t>15/06/2018</a:t>
+              <a:t>17/06/2018</a:t>
             </a:fld>
             <a:endParaRPr lang="pt-BR"/>
           </a:p>
@@ -2100,7 +2101,7 @@
           <a:p>
             <a:fld id="{9E817F71-193B-482B-87E9-66892252EB0B}" type="datetimeFigureOut">
               <a:rPr lang="pt-BR" smtClean="0"/>
-              <a:t>15/06/2018</a:t>
+              <a:t>17/06/2018</a:t>
             </a:fld>
             <a:endParaRPr lang="pt-BR"/>
           </a:p>
@@ -2353,7 +2354,7 @@
           <a:p>
             <a:fld id="{9E817F71-193B-482B-87E9-66892252EB0B}" type="datetimeFigureOut">
               <a:rPr lang="pt-BR" smtClean="0"/>
-              <a:t>15/06/2018</a:t>
+              <a:t>17/06/2018</a:t>
             </a:fld>
             <a:endParaRPr lang="pt-BR"/>
           </a:p>
@@ -2566,7 +2567,7 @@
           <a:p>
             <a:fld id="{9E817F71-193B-482B-87E9-66892252EB0B}" type="datetimeFigureOut">
               <a:rPr lang="pt-BR" smtClean="0"/>
-              <a:t>15/06/2018</a:t>
+              <a:t>17/06/2018</a:t>
             </a:fld>
             <a:endParaRPr lang="pt-BR"/>
           </a:p>
@@ -2971,6 +2972,230 @@
           <a:chExt cx="0" cy="0"/>
         </a:xfrm>
       </p:grpSpPr>
+      <p:sp>
+        <p:nvSpPr>
+          <p:cNvPr id="5" name="Rectangle 4">
+            <a:extLst>
+              <a:ext uri="{FF2B5EF4-FFF2-40B4-BE49-F238E27FC236}">
+                <a16:creationId xmlns:a16="http://schemas.microsoft.com/office/drawing/2014/main" id="{29C96EF0-4960-491F-8338-7D31928A1F88}"/>
+              </a:ext>
+            </a:extLst>
+          </p:cNvPr>
+          <p:cNvSpPr/>
+          <p:nvPr/>
+        </p:nvSpPr>
+        <p:spPr>
+          <a:xfrm>
+            <a:off x="4410075" y="491987"/>
+            <a:ext cx="3181349" cy="4552950"/>
+          </a:xfrm>
+          <a:prstGeom prst="rect">
+            <a:avLst/>
+          </a:prstGeom>
+          <a:gradFill>
+            <a:gsLst>
+              <a:gs pos="0">
+                <a:srgbClr val="00B0F0"/>
+              </a:gs>
+              <a:gs pos="74000">
+                <a:srgbClr val="002060"/>
+              </a:gs>
+              <a:gs pos="83000">
+                <a:srgbClr val="0070C0"/>
+              </a:gs>
+              <a:gs pos="100000">
+                <a:srgbClr val="00B050"/>
+              </a:gs>
+            </a:gsLst>
+            <a:lin ang="5400000" scaled="1"/>
+          </a:gradFill>
+          <a:ln>
+            <a:noFill/>
+          </a:ln>
+        </p:spPr>
+        <p:style>
+          <a:lnRef idx="2">
+            <a:schemeClr val="accent1">
+              <a:shade val="50000"/>
+            </a:schemeClr>
+          </a:lnRef>
+          <a:fillRef idx="1">
+            <a:schemeClr val="accent1"/>
+          </a:fillRef>
+          <a:effectRef idx="0">
+            <a:schemeClr val="accent1"/>
+          </a:effectRef>
+          <a:fontRef idx="minor">
+            <a:schemeClr val="lt1"/>
+          </a:fontRef>
+        </p:style>
+        <p:txBody>
+          <a:bodyPr rtlCol="0" anchor="ctr"/>
+          <a:lstStyle/>
+          <a:p>
+            <a:pPr algn="ctr"/>
+            <a:endParaRPr lang="pt-BR"/>
+          </a:p>
+        </p:txBody>
+      </p:sp>
+      <p:sp>
+        <p:nvSpPr>
+          <p:cNvPr id="6" name="TextBox 5">
+            <a:extLst>
+              <a:ext uri="{FF2B5EF4-FFF2-40B4-BE49-F238E27FC236}">
+                <a16:creationId xmlns:a16="http://schemas.microsoft.com/office/drawing/2014/main" id="{38EC0EC2-243A-41DA-8469-B8D251EC0141}"/>
+              </a:ext>
+            </a:extLst>
+          </p:cNvPr>
+          <p:cNvSpPr txBox="1"/>
+          <p:nvPr/>
+        </p:nvSpPr>
+        <p:spPr>
+          <a:xfrm>
+            <a:off x="4746239" y="1459290"/>
+            <a:ext cx="2509020" cy="1446550"/>
+          </a:xfrm>
+          <a:prstGeom prst="rect">
+            <a:avLst/>
+          </a:prstGeom>
+          <a:noFill/>
+        </p:spPr>
+        <p:txBody>
+          <a:bodyPr wrap="none" rtlCol="0">
+            <a:spAutoFit/>
+          </a:bodyPr>
+          <a:lstStyle/>
+          <a:p>
+            <a:pPr algn="ctr"/>
+            <a:r>
+              <a:rPr lang="pt-BR" sz="4400" dirty="0">
+                <a:solidFill>
+                  <a:schemeClr val="bg1"/>
+                </a:solidFill>
+                <a:latin typeface="BadaBoom BB" panose="02000506020000020004" pitchFamily="2" charset="0"/>
+              </a:rPr>
+              <a:t>Titletit</a:t>
+            </a:r>
+          </a:p>
+          <a:p>
+            <a:pPr algn="ctr"/>
+            <a:r>
+              <a:rPr lang="pt-BR" sz="4400" dirty="0">
+                <a:solidFill>
+                  <a:schemeClr val="bg1"/>
+                </a:solidFill>
+                <a:latin typeface="BadaBoom BB" panose="02000506020000020004" pitchFamily="2" charset="0"/>
+              </a:rPr>
+              <a:t>Titletitle?</a:t>
+            </a:r>
+          </a:p>
+        </p:txBody>
+      </p:sp>
+      <p:sp>
+        <p:nvSpPr>
+          <p:cNvPr id="7" name="TextBox 6">
+            <a:extLst>
+              <a:ext uri="{FF2B5EF4-FFF2-40B4-BE49-F238E27FC236}">
+                <a16:creationId xmlns:a16="http://schemas.microsoft.com/office/drawing/2014/main" id="{88E8F986-6CDD-4D82-A1E8-055D721DF597}"/>
+              </a:ext>
+            </a:extLst>
+          </p:cNvPr>
+          <p:cNvSpPr txBox="1"/>
+          <p:nvPr/>
+        </p:nvSpPr>
+        <p:spPr>
+          <a:xfrm>
+            <a:off x="4888337" y="614282"/>
+            <a:ext cx="2199512" cy="769441"/>
+          </a:xfrm>
+          <a:prstGeom prst="rect">
+            <a:avLst/>
+          </a:prstGeom>
+          <a:noFill/>
+        </p:spPr>
+        <p:txBody>
+          <a:bodyPr wrap="none" rtlCol="0">
+            <a:spAutoFit/>
+          </a:bodyPr>
+          <a:lstStyle/>
+          <a:p>
+            <a:pPr algn="ctr"/>
+            <a:r>
+              <a:rPr lang="pt-BR" sz="4400" dirty="0">
+                <a:latin typeface="SF Cartoonist Hand" panose="02000506000000020003" pitchFamily="2" charset="0"/>
+              </a:rPr>
+              <a:t>Title Titletit</a:t>
+            </a:r>
+          </a:p>
+        </p:txBody>
+      </p:sp>
+      <p:sp>
+        <p:nvSpPr>
+          <p:cNvPr id="9" name="Rectangle 8">
+            <a:extLst>
+              <a:ext uri="{FF2B5EF4-FFF2-40B4-BE49-F238E27FC236}">
+                <a16:creationId xmlns:a16="http://schemas.microsoft.com/office/drawing/2014/main" id="{58017B9A-1B00-485D-B14C-01B453E944F3}"/>
+              </a:ext>
+            </a:extLst>
+          </p:cNvPr>
+          <p:cNvSpPr/>
+          <p:nvPr/>
+        </p:nvSpPr>
+        <p:spPr>
+          <a:xfrm>
+            <a:off x="5691249" y="1174888"/>
+            <a:ext cx="593689" cy="461665"/>
+          </a:xfrm>
+          <a:prstGeom prst="rect">
+            <a:avLst/>
+          </a:prstGeom>
+        </p:spPr>
+        <p:txBody>
+          <a:bodyPr wrap="none">
+            <a:spAutoFit/>
+          </a:bodyPr>
+          <a:lstStyle/>
+          <a:p>
+            <a:pPr algn="ctr"/>
+            <a:r>
+              <a:rPr lang="pt-BR" sz="2400" dirty="0">
+                <a:latin typeface="SF Cartoonist Hand" panose="02000506000000020003" pitchFamily="2" charset="0"/>
+              </a:rPr>
+              <a:t>Ti Tl</a:t>
+            </a:r>
+          </a:p>
+        </p:txBody>
+      </p:sp>
+    </p:spTree>
+    <p:extLst>
+      <p:ext uri="{BB962C8B-B14F-4D97-AF65-F5344CB8AC3E}">
+        <p14:creationId xmlns:p14="http://schemas.microsoft.com/office/powerpoint/2010/main" val="3774818842"/>
+      </p:ext>
+    </p:extLst>
+  </p:cSld>
+  <p:clrMapOvr>
+    <a:masterClrMapping/>
+  </p:clrMapOvr>
+</p:sld>
+</file>
+
+<file path=ppt/slides/slide2.xml><?xml version="1.0" encoding="utf-8"?>
+<p:sld xmlns:a="http://schemas.openxmlformats.org/drawingml/2006/main" xmlns:r="http://schemas.openxmlformats.org/officeDocument/2006/relationships" xmlns:p="http://schemas.openxmlformats.org/presentationml/2006/main">
+  <p:cSld>
+    <p:spTree>
+      <p:nvGrpSpPr>
+        <p:cNvPr id="1" name=""/>
+        <p:cNvGrpSpPr/>
+        <p:nvPr/>
+      </p:nvGrpSpPr>
+      <p:grpSpPr>
+        <a:xfrm>
+          <a:off x="0" y="0"/>
+          <a:ext cx="0" cy="0"/>
+          <a:chOff x="0" y="0"/>
+          <a:chExt cx="0" cy="0"/>
+        </a:xfrm>
+      </p:grpSpPr>
       <p:pic>
         <p:nvPicPr>
           <p:cNvPr id="4" name="Picture 3">
@@ -4422,7 +4647,7 @@
 </p:sld>
 </file>
 
-<file path=ppt/slides/slide2.xml><?xml version="1.0" encoding="utf-8"?>
+<file path=ppt/slides/slide3.xml><?xml version="1.0" encoding="utf-8"?>
 <p:sld xmlns:a="http://schemas.openxmlformats.org/drawingml/2006/main" xmlns:r="http://schemas.openxmlformats.org/officeDocument/2006/relationships" xmlns:p="http://schemas.openxmlformats.org/presentationml/2006/main">
   <p:cSld>
     <p:spTree>
@@ -4686,7 +4911,7 @@
 </p:sld>
 </file>
 
-<file path=ppt/slides/slide3.xml><?xml version="1.0" encoding="utf-8"?>
+<file path=ppt/slides/slide4.xml><?xml version="1.0" encoding="utf-8"?>
 <p:sld xmlns:a="http://schemas.openxmlformats.org/drawingml/2006/main" xmlns:r="http://schemas.openxmlformats.org/officeDocument/2006/relationships" xmlns:p="http://schemas.openxmlformats.org/presentationml/2006/main">
   <p:cSld>
     <p:spTree>

--- a/Presentation.pptx
+++ b/Presentation.pptx
@@ -246,7 +246,7 @@
           <a:p>
             <a:fld id="{9E817F71-193B-482B-87E9-66892252EB0B}" type="datetimeFigureOut">
               <a:rPr lang="pt-BR" smtClean="0"/>
-              <a:t>17/06/2018</a:t>
+              <a:t>19/06/2018</a:t>
             </a:fld>
             <a:endParaRPr lang="pt-BR"/>
           </a:p>
@@ -416,7 +416,7 @@
           <a:p>
             <a:fld id="{9E817F71-193B-482B-87E9-66892252EB0B}" type="datetimeFigureOut">
               <a:rPr lang="pt-BR" smtClean="0"/>
-              <a:t>17/06/2018</a:t>
+              <a:t>19/06/2018</a:t>
             </a:fld>
             <a:endParaRPr lang="pt-BR"/>
           </a:p>
@@ -596,7 +596,7 @@
           <a:p>
             <a:fld id="{9E817F71-193B-482B-87E9-66892252EB0B}" type="datetimeFigureOut">
               <a:rPr lang="pt-BR" smtClean="0"/>
-              <a:t>17/06/2018</a:t>
+              <a:t>19/06/2018</a:t>
             </a:fld>
             <a:endParaRPr lang="pt-BR"/>
           </a:p>
@@ -766,7 +766,7 @@
           <a:p>
             <a:fld id="{9E817F71-193B-482B-87E9-66892252EB0B}" type="datetimeFigureOut">
               <a:rPr lang="pt-BR" smtClean="0"/>
-              <a:t>17/06/2018</a:t>
+              <a:t>19/06/2018</a:t>
             </a:fld>
             <a:endParaRPr lang="pt-BR"/>
           </a:p>
@@ -1012,7 +1012,7 @@
           <a:p>
             <a:fld id="{9E817F71-193B-482B-87E9-66892252EB0B}" type="datetimeFigureOut">
               <a:rPr lang="pt-BR" smtClean="0"/>
-              <a:t>17/06/2018</a:t>
+              <a:t>19/06/2018</a:t>
             </a:fld>
             <a:endParaRPr lang="pt-BR"/>
           </a:p>
@@ -1244,7 +1244,7 @@
           <a:p>
             <a:fld id="{9E817F71-193B-482B-87E9-66892252EB0B}" type="datetimeFigureOut">
               <a:rPr lang="pt-BR" smtClean="0"/>
-              <a:t>17/06/2018</a:t>
+              <a:t>19/06/2018</a:t>
             </a:fld>
             <a:endParaRPr lang="pt-BR"/>
           </a:p>
@@ -1611,7 +1611,7 @@
           <a:p>
             <a:fld id="{9E817F71-193B-482B-87E9-66892252EB0B}" type="datetimeFigureOut">
               <a:rPr lang="pt-BR" smtClean="0"/>
-              <a:t>17/06/2018</a:t>
+              <a:t>19/06/2018</a:t>
             </a:fld>
             <a:endParaRPr lang="pt-BR"/>
           </a:p>
@@ -1729,7 +1729,7 @@
           <a:p>
             <a:fld id="{9E817F71-193B-482B-87E9-66892252EB0B}" type="datetimeFigureOut">
               <a:rPr lang="pt-BR" smtClean="0"/>
-              <a:t>17/06/2018</a:t>
+              <a:t>19/06/2018</a:t>
             </a:fld>
             <a:endParaRPr lang="pt-BR"/>
           </a:p>
@@ -1824,7 +1824,7 @@
           <a:p>
             <a:fld id="{9E817F71-193B-482B-87E9-66892252EB0B}" type="datetimeFigureOut">
               <a:rPr lang="pt-BR" smtClean="0"/>
-              <a:t>17/06/2018</a:t>
+              <a:t>19/06/2018</a:t>
             </a:fld>
             <a:endParaRPr lang="pt-BR"/>
           </a:p>
@@ -2101,7 +2101,7 @@
           <a:p>
             <a:fld id="{9E817F71-193B-482B-87E9-66892252EB0B}" type="datetimeFigureOut">
               <a:rPr lang="pt-BR" smtClean="0"/>
-              <a:t>17/06/2018</a:t>
+              <a:t>19/06/2018</a:t>
             </a:fld>
             <a:endParaRPr lang="pt-BR"/>
           </a:p>
@@ -2354,7 +2354,7 @@
           <a:p>
             <a:fld id="{9E817F71-193B-482B-87E9-66892252EB0B}" type="datetimeFigureOut">
               <a:rPr lang="pt-BR" smtClean="0"/>
-              <a:t>17/06/2018</a:t>
+              <a:t>19/06/2018</a:t>
             </a:fld>
             <a:endParaRPr lang="pt-BR"/>
           </a:p>
@@ -2567,7 +2567,7 @@
           <a:p>
             <a:fld id="{9E817F71-193B-482B-87E9-66892252EB0B}" type="datetimeFigureOut">
               <a:rPr lang="pt-BR" smtClean="0"/>
-              <a:t>17/06/2018</a:t>
+              <a:t>19/06/2018</a:t>
             </a:fld>
             <a:endParaRPr lang="pt-BR"/>
           </a:p>

--- a/Presentation.pptx
+++ b/Presentation.pptx
@@ -246,7 +246,7 @@
           <a:p>
             <a:fld id="{9E817F71-193B-482B-87E9-66892252EB0B}" type="datetimeFigureOut">
               <a:rPr lang="pt-BR" smtClean="0"/>
-              <a:t>19/06/2018</a:t>
+              <a:t>25/06/2018</a:t>
             </a:fld>
             <a:endParaRPr lang="pt-BR"/>
           </a:p>
@@ -416,7 +416,7 @@
           <a:p>
             <a:fld id="{9E817F71-193B-482B-87E9-66892252EB0B}" type="datetimeFigureOut">
               <a:rPr lang="pt-BR" smtClean="0"/>
-              <a:t>19/06/2018</a:t>
+              <a:t>25/06/2018</a:t>
             </a:fld>
             <a:endParaRPr lang="pt-BR"/>
           </a:p>
@@ -596,7 +596,7 @@
           <a:p>
             <a:fld id="{9E817F71-193B-482B-87E9-66892252EB0B}" type="datetimeFigureOut">
               <a:rPr lang="pt-BR" smtClean="0"/>
-              <a:t>19/06/2018</a:t>
+              <a:t>25/06/2018</a:t>
             </a:fld>
             <a:endParaRPr lang="pt-BR"/>
           </a:p>
@@ -766,7 +766,7 @@
           <a:p>
             <a:fld id="{9E817F71-193B-482B-87E9-66892252EB0B}" type="datetimeFigureOut">
               <a:rPr lang="pt-BR" smtClean="0"/>
-              <a:t>19/06/2018</a:t>
+              <a:t>25/06/2018</a:t>
             </a:fld>
             <a:endParaRPr lang="pt-BR"/>
           </a:p>
@@ -1012,7 +1012,7 @@
           <a:p>
             <a:fld id="{9E817F71-193B-482B-87E9-66892252EB0B}" type="datetimeFigureOut">
               <a:rPr lang="pt-BR" smtClean="0"/>
-              <a:t>19/06/2018</a:t>
+              <a:t>25/06/2018</a:t>
             </a:fld>
             <a:endParaRPr lang="pt-BR"/>
           </a:p>
@@ -1244,7 +1244,7 @@
           <a:p>
             <a:fld id="{9E817F71-193B-482B-87E9-66892252EB0B}" type="datetimeFigureOut">
               <a:rPr lang="pt-BR" smtClean="0"/>
-              <a:t>19/06/2018</a:t>
+              <a:t>25/06/2018</a:t>
             </a:fld>
             <a:endParaRPr lang="pt-BR"/>
           </a:p>
@@ -1611,7 +1611,7 @@
           <a:p>
             <a:fld id="{9E817F71-193B-482B-87E9-66892252EB0B}" type="datetimeFigureOut">
               <a:rPr lang="pt-BR" smtClean="0"/>
-              <a:t>19/06/2018</a:t>
+              <a:t>25/06/2018</a:t>
             </a:fld>
             <a:endParaRPr lang="pt-BR"/>
           </a:p>
@@ -1729,7 +1729,7 @@
           <a:p>
             <a:fld id="{9E817F71-193B-482B-87E9-66892252EB0B}" type="datetimeFigureOut">
               <a:rPr lang="pt-BR" smtClean="0"/>
-              <a:t>19/06/2018</a:t>
+              <a:t>25/06/2018</a:t>
             </a:fld>
             <a:endParaRPr lang="pt-BR"/>
           </a:p>
@@ -1824,7 +1824,7 @@
           <a:p>
             <a:fld id="{9E817F71-193B-482B-87E9-66892252EB0B}" type="datetimeFigureOut">
               <a:rPr lang="pt-BR" smtClean="0"/>
-              <a:t>19/06/2018</a:t>
+              <a:t>25/06/2018</a:t>
             </a:fld>
             <a:endParaRPr lang="pt-BR"/>
           </a:p>
@@ -2101,7 +2101,7 @@
           <a:p>
             <a:fld id="{9E817F71-193B-482B-87E9-66892252EB0B}" type="datetimeFigureOut">
               <a:rPr lang="pt-BR" smtClean="0"/>
-              <a:t>19/06/2018</a:t>
+              <a:t>25/06/2018</a:t>
             </a:fld>
             <a:endParaRPr lang="pt-BR"/>
           </a:p>
@@ -2354,7 +2354,7 @@
           <a:p>
             <a:fld id="{9E817F71-193B-482B-87E9-66892252EB0B}" type="datetimeFigureOut">
               <a:rPr lang="pt-BR" smtClean="0"/>
-              <a:t>19/06/2018</a:t>
+              <a:t>25/06/2018</a:t>
             </a:fld>
             <a:endParaRPr lang="pt-BR"/>
           </a:p>
@@ -2567,7 +2567,7 @@
           <a:p>
             <a:fld id="{9E817F71-193B-482B-87E9-66892252EB0B}" type="datetimeFigureOut">
               <a:rPr lang="pt-BR" smtClean="0"/>
-              <a:t>19/06/2018</a:t>
+              <a:t>25/06/2018</a:t>
             </a:fld>
             <a:endParaRPr lang="pt-BR"/>
           </a:p>
@@ -3166,6 +3166,92 @@
           </a:p>
         </p:txBody>
       </p:sp>
+      <p:sp>
+        <p:nvSpPr>
+          <p:cNvPr id="8" name="TextBox 7">
+            <a:extLst>
+              <a:ext uri="{FF2B5EF4-FFF2-40B4-BE49-F238E27FC236}">
+                <a16:creationId xmlns:a16="http://schemas.microsoft.com/office/drawing/2014/main" id="{8EDCF9EE-C23B-4C4F-92F6-C24694D73AAD}"/>
+              </a:ext>
+            </a:extLst>
+          </p:cNvPr>
+          <p:cNvSpPr txBox="1"/>
+          <p:nvPr/>
+        </p:nvSpPr>
+        <p:spPr>
+          <a:xfrm>
+            <a:off x="4410075" y="4460162"/>
+            <a:ext cx="763351" cy="584775"/>
+          </a:xfrm>
+          <a:prstGeom prst="rect">
+            <a:avLst/>
+          </a:prstGeom>
+          <a:noFill/>
+        </p:spPr>
+        <p:txBody>
+          <a:bodyPr wrap="none" rtlCol="0">
+            <a:spAutoFit/>
+          </a:bodyPr>
+          <a:lstStyle/>
+          <a:p>
+            <a:pPr algn="ctr"/>
+            <a:r>
+              <a:rPr lang="pt-BR" sz="3200" dirty="0">
+                <a:solidFill>
+                  <a:schemeClr val="bg1">
+                    <a:alpha val="50000"/>
+                  </a:schemeClr>
+                </a:solidFill>
+                <a:latin typeface="SF Cartoonist Hand" panose="02000506000000020003" pitchFamily="2" charset="0"/>
+              </a:rPr>
+              <a:t>v0.1</a:t>
+            </a:r>
+          </a:p>
+        </p:txBody>
+      </p:sp>
+      <p:sp>
+        <p:nvSpPr>
+          <p:cNvPr id="10" name="TextBox 9">
+            <a:extLst>
+              <a:ext uri="{FF2B5EF4-FFF2-40B4-BE49-F238E27FC236}">
+                <a16:creationId xmlns:a16="http://schemas.microsoft.com/office/drawing/2014/main" id="{E2845FC7-67D9-4457-BE79-221144956FC8}"/>
+              </a:ext>
+            </a:extLst>
+          </p:cNvPr>
+          <p:cNvSpPr txBox="1"/>
+          <p:nvPr/>
+        </p:nvSpPr>
+        <p:spPr>
+          <a:xfrm>
+            <a:off x="5499055" y="4644827"/>
+            <a:ext cx="2092369" cy="400110"/>
+          </a:xfrm>
+          <a:prstGeom prst="rect">
+            <a:avLst/>
+          </a:prstGeom>
+          <a:noFill/>
+        </p:spPr>
+        <p:txBody>
+          <a:bodyPr wrap="none" rtlCol="0">
+            <a:spAutoFit/>
+          </a:bodyPr>
+          <a:lstStyle/>
+          <a:p>
+            <a:pPr algn="ctr"/>
+            <a:r>
+              <a:rPr lang="pt-BR" sz="2000" dirty="0">
+                <a:solidFill>
+                  <a:schemeClr val="bg1">
+                    <a:alpha val="50000"/>
+                  </a:schemeClr>
+                </a:solidFill>
+                <a:latin typeface="Super Webcomic Bros." panose="02000500000000000000" pitchFamily="2" charset="0"/>
+              </a:rPr>
+              <a:t>Daniell Mesquita</a:t>
+            </a:r>
+          </a:p>
+        </p:txBody>
+      </p:sp>
     </p:spTree>
     <p:extLst>
       <p:ext uri="{BB962C8B-B14F-4D97-AF65-F5344CB8AC3E}">

--- a/Presentation.pptx
+++ b/Presentation.pptx
@@ -246,7 +246,7 @@
           <a:p>
             <a:fld id="{9E817F71-193B-482B-87E9-66892252EB0B}" type="datetimeFigureOut">
               <a:rPr lang="pt-BR" smtClean="0"/>
-              <a:t>25/06/2018</a:t>
+              <a:t>28/06/2018</a:t>
             </a:fld>
             <a:endParaRPr lang="pt-BR"/>
           </a:p>
@@ -416,7 +416,7 @@
           <a:p>
             <a:fld id="{9E817F71-193B-482B-87E9-66892252EB0B}" type="datetimeFigureOut">
               <a:rPr lang="pt-BR" smtClean="0"/>
-              <a:t>25/06/2018</a:t>
+              <a:t>28/06/2018</a:t>
             </a:fld>
             <a:endParaRPr lang="pt-BR"/>
           </a:p>
@@ -596,7 +596,7 @@
           <a:p>
             <a:fld id="{9E817F71-193B-482B-87E9-66892252EB0B}" type="datetimeFigureOut">
               <a:rPr lang="pt-BR" smtClean="0"/>
-              <a:t>25/06/2018</a:t>
+              <a:t>28/06/2018</a:t>
             </a:fld>
             <a:endParaRPr lang="pt-BR"/>
           </a:p>
@@ -766,7 +766,7 @@
           <a:p>
             <a:fld id="{9E817F71-193B-482B-87E9-66892252EB0B}" type="datetimeFigureOut">
               <a:rPr lang="pt-BR" smtClean="0"/>
-              <a:t>25/06/2018</a:t>
+              <a:t>28/06/2018</a:t>
             </a:fld>
             <a:endParaRPr lang="pt-BR"/>
           </a:p>
@@ -1012,7 +1012,7 @@
           <a:p>
             <a:fld id="{9E817F71-193B-482B-87E9-66892252EB0B}" type="datetimeFigureOut">
               <a:rPr lang="pt-BR" smtClean="0"/>
-              <a:t>25/06/2018</a:t>
+              <a:t>28/06/2018</a:t>
             </a:fld>
             <a:endParaRPr lang="pt-BR"/>
           </a:p>
@@ -1244,7 +1244,7 @@
           <a:p>
             <a:fld id="{9E817F71-193B-482B-87E9-66892252EB0B}" type="datetimeFigureOut">
               <a:rPr lang="pt-BR" smtClean="0"/>
-              <a:t>25/06/2018</a:t>
+              <a:t>28/06/2018</a:t>
             </a:fld>
             <a:endParaRPr lang="pt-BR"/>
           </a:p>
@@ -1611,7 +1611,7 @@
           <a:p>
             <a:fld id="{9E817F71-193B-482B-87E9-66892252EB0B}" type="datetimeFigureOut">
               <a:rPr lang="pt-BR" smtClean="0"/>
-              <a:t>25/06/2018</a:t>
+              <a:t>28/06/2018</a:t>
             </a:fld>
             <a:endParaRPr lang="pt-BR"/>
           </a:p>
@@ -1729,7 +1729,7 @@
           <a:p>
             <a:fld id="{9E817F71-193B-482B-87E9-66892252EB0B}" type="datetimeFigureOut">
               <a:rPr lang="pt-BR" smtClean="0"/>
-              <a:t>25/06/2018</a:t>
+              <a:t>28/06/2018</a:t>
             </a:fld>
             <a:endParaRPr lang="pt-BR"/>
           </a:p>
@@ -1824,7 +1824,7 @@
           <a:p>
             <a:fld id="{9E817F71-193B-482B-87E9-66892252EB0B}" type="datetimeFigureOut">
               <a:rPr lang="pt-BR" smtClean="0"/>
-              <a:t>25/06/2018</a:t>
+              <a:t>28/06/2018</a:t>
             </a:fld>
             <a:endParaRPr lang="pt-BR"/>
           </a:p>
@@ -2101,7 +2101,7 @@
           <a:p>
             <a:fld id="{9E817F71-193B-482B-87E9-66892252EB0B}" type="datetimeFigureOut">
               <a:rPr lang="pt-BR" smtClean="0"/>
-              <a:t>25/06/2018</a:t>
+              <a:t>28/06/2018</a:t>
             </a:fld>
             <a:endParaRPr lang="pt-BR"/>
           </a:p>
@@ -2354,7 +2354,7 @@
           <a:p>
             <a:fld id="{9E817F71-193B-482B-87E9-66892252EB0B}" type="datetimeFigureOut">
               <a:rPr lang="pt-BR" smtClean="0"/>
-              <a:t>25/06/2018</a:t>
+              <a:t>28/06/2018</a:t>
             </a:fld>
             <a:endParaRPr lang="pt-BR"/>
           </a:p>
@@ -2567,7 +2567,7 @@
           <a:p>
             <a:fld id="{9E817F71-193B-482B-87E9-66892252EB0B}" type="datetimeFigureOut">
               <a:rPr lang="pt-BR" smtClean="0"/>
-              <a:t>25/06/2018</a:t>
+              <a:t>28/06/2018</a:t>
             </a:fld>
             <a:endParaRPr lang="pt-BR"/>
           </a:p>
@@ -3252,6 +3252,84 @@
           </a:p>
         </p:txBody>
       </p:sp>
+      <p:sp>
+        <p:nvSpPr>
+          <p:cNvPr id="2" name="Rectangle: Rounded Corners 1">
+            <a:extLst>
+              <a:ext uri="{FF2B5EF4-FFF2-40B4-BE49-F238E27FC236}">
+                <a16:creationId xmlns:a16="http://schemas.microsoft.com/office/drawing/2014/main" id="{D2505115-5552-44A4-8CC1-AF793270D5D5}"/>
+              </a:ext>
+            </a:extLst>
+          </p:cNvPr>
+          <p:cNvSpPr/>
+          <p:nvPr/>
+        </p:nvSpPr>
+        <p:spPr>
+          <a:xfrm>
+            <a:off x="2552700" y="2543175"/>
+            <a:ext cx="900000" cy="900000"/>
+          </a:xfrm>
+          <a:prstGeom prst="roundRect">
+            <a:avLst/>
+          </a:prstGeom>
+          <a:gradFill>
+            <a:gsLst>
+              <a:gs pos="0">
+                <a:srgbClr val="00B0F0"/>
+              </a:gs>
+              <a:gs pos="74000">
+                <a:srgbClr val="002060"/>
+              </a:gs>
+              <a:gs pos="83000">
+                <a:srgbClr val="0070C0"/>
+              </a:gs>
+              <a:gs pos="100000">
+                <a:srgbClr val="00B050"/>
+              </a:gs>
+            </a:gsLst>
+            <a:lin ang="5400000" scaled="1"/>
+          </a:gradFill>
+          <a:ln>
+            <a:solidFill>
+              <a:schemeClr val="tx1">
+                <a:lumMod val="85000"/>
+                <a:lumOff val="15000"/>
+              </a:schemeClr>
+            </a:solidFill>
+          </a:ln>
+          <a:effectLst>
+            <a:outerShdw blurRad="63500" sx="102000" sy="102000" algn="ctr" rotWithShape="0">
+              <a:prstClr val="black">
+                <a:alpha val="40000"/>
+              </a:prstClr>
+            </a:outerShdw>
+          </a:effectLst>
+        </p:spPr>
+        <p:style>
+          <a:lnRef idx="2">
+            <a:schemeClr val="accent1">
+              <a:shade val="50000"/>
+            </a:schemeClr>
+          </a:lnRef>
+          <a:fillRef idx="1">
+            <a:schemeClr val="accent1"/>
+          </a:fillRef>
+          <a:effectRef idx="0">
+            <a:schemeClr val="accent1"/>
+          </a:effectRef>
+          <a:fontRef idx="minor">
+            <a:schemeClr val="lt1"/>
+          </a:fontRef>
+        </p:style>
+        <p:txBody>
+          <a:bodyPr rtlCol="0" anchor="ctr"/>
+          <a:lstStyle/>
+          <a:p>
+            <a:pPr algn="ctr"/>
+            <a:endParaRPr lang="pt-BR"/>
+          </a:p>
+        </p:txBody>
+      </p:sp>
     </p:spTree>
     <p:extLst>
       <p:ext uri="{BB962C8B-B14F-4D97-AF65-F5344CB8AC3E}">
@@ -5242,13 +5320,13 @@
             <a:pPr algn="r"/>
             <a:r>
               <a:rPr lang="pt-BR" sz="900" i="1" dirty="0"/>
-              <a:t>Title</a:t>
+              <a:t>Nome</a:t>
             </a:r>
           </a:p>
           <a:p>
             <a:r>
               <a:rPr lang="pt-BR" sz="900" dirty="0"/>
-              <a:t>Title</a:t>
+              <a:t>Message</a:t>
             </a:r>
           </a:p>
         </p:txBody>
@@ -5456,13 +5534,13 @@
           <a:p>
             <a:r>
               <a:rPr lang="pt-BR" sz="900" i="1" dirty="0"/>
-              <a:t>Title</a:t>
+              <a:t>Nome</a:t>
             </a:r>
           </a:p>
           <a:p>
             <a:r>
               <a:rPr lang="pt-BR" sz="900" dirty="0"/>
-              <a:t>Title</a:t>
+              <a:t>Message</a:t>
             </a:r>
           </a:p>
         </p:txBody>
@@ -5949,7 +6027,7 @@
             </a:r>
             <a:r>
               <a:rPr lang="pt-BR" sz="1400" b="1" dirty="0"/>
-              <a:t>Diversos </a:t>
+              <a:t>Nome </a:t>
             </a:r>
           </a:p>
         </p:txBody>
@@ -5982,7 +6060,7 @@
             </a:r>
             <a:r>
               <a:rPr lang="pt-BR" sz="1200" b="1" dirty="0"/>
-              <a:t>Pokemon Online</a:t>
+              <a:t>Service</a:t>
             </a:r>
           </a:p>
         </p:txBody>

--- a/Presentation.pptx
+++ b/Presentation.pptx
@@ -9,6 +9,7 @@
     <p:sldId id="260" r:id="rId3"/>
     <p:sldId id="259" r:id="rId4"/>
     <p:sldId id="257" r:id="rId5"/>
+    <p:sldId id="262" r:id="rId6"/>
   </p:sldIdLst>
   <p:sldSz cx="12192000" cy="6858000"/>
   <p:notesSz cx="6858000" cy="9144000"/>
@@ -246,7 +247,7 @@
           <a:p>
             <a:fld id="{9E817F71-193B-482B-87E9-66892252EB0B}" type="datetimeFigureOut">
               <a:rPr lang="pt-BR" smtClean="0"/>
-              <a:t>28/06/2018</a:t>
+              <a:t>11/07/2018</a:t>
             </a:fld>
             <a:endParaRPr lang="pt-BR"/>
           </a:p>
@@ -416,7 +417,7 @@
           <a:p>
             <a:fld id="{9E817F71-193B-482B-87E9-66892252EB0B}" type="datetimeFigureOut">
               <a:rPr lang="pt-BR" smtClean="0"/>
-              <a:t>28/06/2018</a:t>
+              <a:t>11/07/2018</a:t>
             </a:fld>
             <a:endParaRPr lang="pt-BR"/>
           </a:p>
@@ -596,7 +597,7 @@
           <a:p>
             <a:fld id="{9E817F71-193B-482B-87E9-66892252EB0B}" type="datetimeFigureOut">
               <a:rPr lang="pt-BR" smtClean="0"/>
-              <a:t>28/06/2018</a:t>
+              <a:t>11/07/2018</a:t>
             </a:fld>
             <a:endParaRPr lang="pt-BR"/>
           </a:p>
@@ -766,7 +767,7 @@
           <a:p>
             <a:fld id="{9E817F71-193B-482B-87E9-66892252EB0B}" type="datetimeFigureOut">
               <a:rPr lang="pt-BR" smtClean="0"/>
-              <a:t>28/06/2018</a:t>
+              <a:t>11/07/2018</a:t>
             </a:fld>
             <a:endParaRPr lang="pt-BR"/>
           </a:p>
@@ -1012,7 +1013,7 @@
           <a:p>
             <a:fld id="{9E817F71-193B-482B-87E9-66892252EB0B}" type="datetimeFigureOut">
               <a:rPr lang="pt-BR" smtClean="0"/>
-              <a:t>28/06/2018</a:t>
+              <a:t>11/07/2018</a:t>
             </a:fld>
             <a:endParaRPr lang="pt-BR"/>
           </a:p>
@@ -1244,7 +1245,7 @@
           <a:p>
             <a:fld id="{9E817F71-193B-482B-87E9-66892252EB0B}" type="datetimeFigureOut">
               <a:rPr lang="pt-BR" smtClean="0"/>
-              <a:t>28/06/2018</a:t>
+              <a:t>11/07/2018</a:t>
             </a:fld>
             <a:endParaRPr lang="pt-BR"/>
           </a:p>
@@ -1611,7 +1612,7 @@
           <a:p>
             <a:fld id="{9E817F71-193B-482B-87E9-66892252EB0B}" type="datetimeFigureOut">
               <a:rPr lang="pt-BR" smtClean="0"/>
-              <a:t>28/06/2018</a:t>
+              <a:t>11/07/2018</a:t>
             </a:fld>
             <a:endParaRPr lang="pt-BR"/>
           </a:p>
@@ -1729,7 +1730,7 @@
           <a:p>
             <a:fld id="{9E817F71-193B-482B-87E9-66892252EB0B}" type="datetimeFigureOut">
               <a:rPr lang="pt-BR" smtClean="0"/>
-              <a:t>28/06/2018</a:t>
+              <a:t>11/07/2018</a:t>
             </a:fld>
             <a:endParaRPr lang="pt-BR"/>
           </a:p>
@@ -1824,7 +1825,7 @@
           <a:p>
             <a:fld id="{9E817F71-193B-482B-87E9-66892252EB0B}" type="datetimeFigureOut">
               <a:rPr lang="pt-BR" smtClean="0"/>
-              <a:t>28/06/2018</a:t>
+              <a:t>11/07/2018</a:t>
             </a:fld>
             <a:endParaRPr lang="pt-BR"/>
           </a:p>
@@ -2101,7 +2102,7 @@
           <a:p>
             <a:fld id="{9E817F71-193B-482B-87E9-66892252EB0B}" type="datetimeFigureOut">
               <a:rPr lang="pt-BR" smtClean="0"/>
-              <a:t>28/06/2018</a:t>
+              <a:t>11/07/2018</a:t>
             </a:fld>
             <a:endParaRPr lang="pt-BR"/>
           </a:p>
@@ -2354,7 +2355,7 @@
           <a:p>
             <a:fld id="{9E817F71-193B-482B-87E9-66892252EB0B}" type="datetimeFigureOut">
               <a:rPr lang="pt-BR" smtClean="0"/>
-              <a:t>28/06/2018</a:t>
+              <a:t>11/07/2018</a:t>
             </a:fld>
             <a:endParaRPr lang="pt-BR"/>
           </a:p>
@@ -2567,7 +2568,7 @@
           <a:p>
             <a:fld id="{9E817F71-193B-482B-87E9-66892252EB0B}" type="datetimeFigureOut">
               <a:rPr lang="pt-BR" smtClean="0"/>
-              <a:t>28/06/2018</a:t>
+              <a:t>11/07/2018</a:t>
             </a:fld>
             <a:endParaRPr lang="pt-BR"/>
           </a:p>
@@ -4855,7 +4856,7 @@
         </p:blipFill>
         <p:spPr>
           <a:xfrm>
-            <a:off x="4751101" y="1628775"/>
+            <a:off x="2604249" y="1152525"/>
             <a:ext cx="3181350" cy="4552950"/>
           </a:xfrm>
           <a:prstGeom prst="rect">
@@ -4876,7 +4877,7 @@
         </p:nvSpPr>
         <p:spPr>
           <a:xfrm>
-            <a:off x="5114925" y="2047875"/>
+            <a:off x="2968073" y="1571625"/>
             <a:ext cx="972000" cy="972000"/>
           </a:xfrm>
           <a:prstGeom prst="flowChartMultidocument">
@@ -4926,7 +4927,7 @@
         </p:nvSpPr>
         <p:spPr>
           <a:xfrm>
-            <a:off x="6648450" y="4972050"/>
+            <a:off x="4501598" y="4495800"/>
             <a:ext cx="972000" cy="972000"/>
           </a:xfrm>
           <a:prstGeom prst="flowChartDocument">
@@ -4974,7 +4975,7 @@
         </p:nvSpPr>
         <p:spPr>
           <a:xfrm>
-            <a:off x="5086575" y="4238400"/>
+            <a:off x="2939723" y="3762150"/>
             <a:ext cx="972000" cy="972000"/>
           </a:xfrm>
           <a:prstGeom prst="wave">
@@ -5022,7 +5023,7 @@
         </p:nvSpPr>
         <p:spPr>
           <a:xfrm>
-            <a:off x="6543675" y="2381250"/>
+            <a:off x="4396823" y="1905000"/>
             <a:ext cx="972000" cy="972000"/>
           </a:xfrm>
           <a:prstGeom prst="doubleWave">
@@ -5059,6 +5060,314 @@
           <a:p>
             <a:pPr algn="ctr"/>
             <a:endParaRPr lang="pt-BR"/>
+          </a:p>
+        </p:txBody>
+      </p:sp>
+      <p:pic>
+        <p:nvPicPr>
+          <p:cNvPr id="9" name="Picture 8">
+            <a:extLst>
+              <a:ext uri="{FF2B5EF4-FFF2-40B4-BE49-F238E27FC236}">
+                <a16:creationId xmlns:a16="http://schemas.microsoft.com/office/drawing/2014/main" id="{7F425189-DDB7-406F-9BEB-B927083531EC}"/>
+              </a:ext>
+            </a:extLst>
+          </p:cNvPr>
+          <p:cNvPicPr>
+            <a:picLocks noChangeAspect="1"/>
+          </p:cNvPicPr>
+          <p:nvPr/>
+        </p:nvPicPr>
+        <p:blipFill>
+          <a:blip r:embed="rId2">
+            <a:clrChange>
+              <a:clrFrom>
+                <a:srgbClr val="FFFFFF"/>
+              </a:clrFrom>
+              <a:clrTo>
+                <a:srgbClr val="FFFFFF">
+                  <a:alpha val="0"/>
+                </a:srgbClr>
+              </a:clrTo>
+            </a:clrChange>
+          </a:blip>
+          <a:stretch>
+            <a:fillRect/>
+          </a:stretch>
+        </p:blipFill>
+        <p:spPr>
+          <a:xfrm>
+            <a:off x="6149423" y="1152525"/>
+            <a:ext cx="3181350" cy="4552950"/>
+          </a:xfrm>
+          <a:prstGeom prst="rect">
+            <a:avLst/>
+          </a:prstGeom>
+          <a:solidFill>
+            <a:schemeClr val="bg1">
+              <a:lumMod val="85000"/>
+            </a:schemeClr>
+          </a:solidFill>
+        </p:spPr>
+      </p:pic>
+      <p:sp>
+        <p:nvSpPr>
+          <p:cNvPr id="12" name="Wave 11">
+            <a:extLst>
+              <a:ext uri="{FF2B5EF4-FFF2-40B4-BE49-F238E27FC236}">
+                <a16:creationId xmlns:a16="http://schemas.microsoft.com/office/drawing/2014/main" id="{C090DBA0-0F94-4AE7-B2D9-FE3BC9524CB2}"/>
+              </a:ext>
+            </a:extLst>
+          </p:cNvPr>
+          <p:cNvSpPr/>
+          <p:nvPr/>
+        </p:nvSpPr>
+        <p:spPr>
+          <a:xfrm>
+            <a:off x="6484897" y="3762150"/>
+            <a:ext cx="972000" cy="972000"/>
+          </a:xfrm>
+          <a:prstGeom prst="wave">
+            <a:avLst/>
+          </a:prstGeom>
+          <a:solidFill>
+            <a:schemeClr val="bg1">
+              <a:lumMod val="65000"/>
+            </a:schemeClr>
+          </a:solidFill>
+          <a:ln>
+            <a:noFill/>
+          </a:ln>
+        </p:spPr>
+        <p:style>
+          <a:lnRef idx="2">
+            <a:schemeClr val="accent1">
+              <a:shade val="50000"/>
+            </a:schemeClr>
+          </a:lnRef>
+          <a:fillRef idx="1">
+            <a:schemeClr val="accent1"/>
+          </a:fillRef>
+          <a:effectRef idx="0">
+            <a:schemeClr val="accent1"/>
+          </a:effectRef>
+          <a:fontRef idx="minor">
+            <a:schemeClr val="lt1"/>
+          </a:fontRef>
+        </p:style>
+        <p:txBody>
+          <a:bodyPr rtlCol="0" anchor="ctr"/>
+          <a:lstStyle/>
+          <a:p>
+            <a:pPr algn="ctr"/>
+            <a:endParaRPr lang="pt-BR"/>
+          </a:p>
+        </p:txBody>
+      </p:sp>
+      <p:sp>
+        <p:nvSpPr>
+          <p:cNvPr id="13" name="Double Wave 12">
+            <a:extLst>
+              <a:ext uri="{FF2B5EF4-FFF2-40B4-BE49-F238E27FC236}">
+                <a16:creationId xmlns:a16="http://schemas.microsoft.com/office/drawing/2014/main" id="{A8B8BEAF-954D-4699-9518-720A6071B8F7}"/>
+              </a:ext>
+            </a:extLst>
+          </p:cNvPr>
+          <p:cNvSpPr/>
+          <p:nvPr/>
+        </p:nvSpPr>
+        <p:spPr>
+          <a:xfrm>
+            <a:off x="7941997" y="1905000"/>
+            <a:ext cx="972000" cy="972000"/>
+          </a:xfrm>
+          <a:prstGeom prst="doubleWave">
+            <a:avLst/>
+          </a:prstGeom>
+          <a:solidFill>
+            <a:schemeClr val="bg1">
+              <a:lumMod val="65000"/>
+            </a:schemeClr>
+          </a:solidFill>
+          <a:ln>
+            <a:noFill/>
+          </a:ln>
+        </p:spPr>
+        <p:style>
+          <a:lnRef idx="2">
+            <a:schemeClr val="accent1">
+              <a:shade val="50000"/>
+            </a:schemeClr>
+          </a:lnRef>
+          <a:fillRef idx="1">
+            <a:schemeClr val="accent1"/>
+          </a:fillRef>
+          <a:effectRef idx="0">
+            <a:schemeClr val="accent1"/>
+          </a:effectRef>
+          <a:fontRef idx="minor">
+            <a:schemeClr val="lt1"/>
+          </a:fontRef>
+        </p:style>
+        <p:txBody>
+          <a:bodyPr rtlCol="0" anchor="ctr"/>
+          <a:lstStyle/>
+          <a:p>
+            <a:pPr algn="ctr"/>
+            <a:endParaRPr lang="pt-BR"/>
+          </a:p>
+        </p:txBody>
+      </p:sp>
+      <p:sp>
+        <p:nvSpPr>
+          <p:cNvPr id="2" name="TextBox 1">
+            <a:extLst>
+              <a:ext uri="{FF2B5EF4-FFF2-40B4-BE49-F238E27FC236}">
+                <a16:creationId xmlns:a16="http://schemas.microsoft.com/office/drawing/2014/main" id="{607E1DEC-71FA-4FEA-B517-3321633246C9}"/>
+              </a:ext>
+            </a:extLst>
+          </p:cNvPr>
+          <p:cNvSpPr txBox="1"/>
+          <p:nvPr/>
+        </p:nvSpPr>
+        <p:spPr>
+          <a:xfrm>
+            <a:off x="6750950" y="1649300"/>
+            <a:ext cx="784189" cy="1446550"/>
+          </a:xfrm>
+          <a:prstGeom prst="rect">
+            <a:avLst/>
+          </a:prstGeom>
+          <a:noFill/>
+        </p:spPr>
+        <p:txBody>
+          <a:bodyPr wrap="none" rtlCol="0">
+            <a:spAutoFit/>
+          </a:bodyPr>
+          <a:lstStyle/>
+          <a:p>
+            <a:r>
+              <a:rPr lang="pt-BR" sz="8800" dirty="0">
+                <a:solidFill>
+                  <a:srgbClr val="A6A6A6"/>
+                </a:solidFill>
+              </a:rPr>
+              <a:t>♪</a:t>
+            </a:r>
+          </a:p>
+        </p:txBody>
+      </p:sp>
+      <p:sp>
+        <p:nvSpPr>
+          <p:cNvPr id="3" name="Rectangle 2">
+            <a:extLst>
+              <a:ext uri="{FF2B5EF4-FFF2-40B4-BE49-F238E27FC236}">
+                <a16:creationId xmlns:a16="http://schemas.microsoft.com/office/drawing/2014/main" id="{98C71CBE-F98A-4716-8992-0A340135BBA1}"/>
+              </a:ext>
+            </a:extLst>
+          </p:cNvPr>
+          <p:cNvSpPr/>
+          <p:nvPr/>
+        </p:nvSpPr>
+        <p:spPr>
+          <a:xfrm>
+            <a:off x="7861976" y="3391307"/>
+            <a:ext cx="1132041" cy="1446550"/>
+          </a:xfrm>
+          <a:prstGeom prst="rect">
+            <a:avLst/>
+          </a:prstGeom>
+        </p:spPr>
+        <p:txBody>
+          <a:bodyPr wrap="none">
+            <a:spAutoFit/>
+          </a:bodyPr>
+          <a:lstStyle/>
+          <a:p>
+            <a:r>
+              <a:rPr lang="pt-BR" sz="8800" dirty="0">
+                <a:solidFill>
+                  <a:srgbClr val="A6A6A6"/>
+                </a:solidFill>
+              </a:rPr>
+              <a:t>♫</a:t>
+            </a:r>
+          </a:p>
+        </p:txBody>
+      </p:sp>
+      <p:sp>
+        <p:nvSpPr>
+          <p:cNvPr id="15" name="TextBox 14">
+            <a:extLst>
+              <a:ext uri="{FF2B5EF4-FFF2-40B4-BE49-F238E27FC236}">
+                <a16:creationId xmlns:a16="http://schemas.microsoft.com/office/drawing/2014/main" id="{92D5711B-7C65-467C-BDBA-18DC62BBFCCE}"/>
+              </a:ext>
+            </a:extLst>
+          </p:cNvPr>
+          <p:cNvSpPr txBox="1"/>
+          <p:nvPr/>
+        </p:nvSpPr>
+        <p:spPr>
+          <a:xfrm>
+            <a:off x="6715057" y="3832651"/>
+            <a:ext cx="511679" cy="830997"/>
+          </a:xfrm>
+          <a:prstGeom prst="rect">
+            <a:avLst/>
+          </a:prstGeom>
+          <a:noFill/>
+        </p:spPr>
+        <p:txBody>
+          <a:bodyPr wrap="none" rtlCol="0">
+            <a:spAutoFit/>
+          </a:bodyPr>
+          <a:lstStyle/>
+          <a:p>
+            <a:r>
+              <a:rPr lang="pt-BR" sz="4800" dirty="0">
+                <a:solidFill>
+                  <a:srgbClr val="D9D9D9"/>
+                </a:solidFill>
+              </a:rPr>
+              <a:t>♪</a:t>
+            </a:r>
+          </a:p>
+        </p:txBody>
+      </p:sp>
+      <p:sp>
+        <p:nvSpPr>
+          <p:cNvPr id="16" name="Rectangle 15">
+            <a:extLst>
+              <a:ext uri="{FF2B5EF4-FFF2-40B4-BE49-F238E27FC236}">
+                <a16:creationId xmlns:a16="http://schemas.microsoft.com/office/drawing/2014/main" id="{B80409FE-60C8-4FC3-8C4A-A8553BAC7A70}"/>
+              </a:ext>
+            </a:extLst>
+          </p:cNvPr>
+          <p:cNvSpPr/>
+          <p:nvPr/>
+        </p:nvSpPr>
+        <p:spPr>
+          <a:xfrm>
+            <a:off x="8082539" y="1975501"/>
+            <a:ext cx="700833" cy="830997"/>
+          </a:xfrm>
+          <a:prstGeom prst="rect">
+            <a:avLst/>
+          </a:prstGeom>
+        </p:spPr>
+        <p:txBody>
+          <a:bodyPr wrap="none">
+            <a:spAutoFit/>
+          </a:bodyPr>
+          <a:lstStyle/>
+          <a:p>
+            <a:r>
+              <a:rPr lang="pt-BR" sz="4800" dirty="0">
+                <a:solidFill>
+                  <a:srgbClr val="D9D9D9"/>
+                </a:solidFill>
+              </a:rPr>
+              <a:t>♫</a:t>
+            </a:r>
           </a:p>
         </p:txBody>
       </p:sp>
@@ -6329,6 +6638,552 @@
     <p:extLst>
       <p:ext uri="{BB962C8B-B14F-4D97-AF65-F5344CB8AC3E}">
         <p14:creationId xmlns:p14="http://schemas.microsoft.com/office/powerpoint/2010/main" val="1148263453"/>
+      </p:ext>
+    </p:extLst>
+  </p:cSld>
+  <p:clrMapOvr>
+    <a:masterClrMapping/>
+  </p:clrMapOvr>
+</p:sld>
+</file>
+
+<file path=ppt/slides/slide5.xml><?xml version="1.0" encoding="utf-8"?>
+<p:sld xmlns:a="http://schemas.openxmlformats.org/drawingml/2006/main" xmlns:r="http://schemas.openxmlformats.org/officeDocument/2006/relationships" xmlns:p="http://schemas.openxmlformats.org/presentationml/2006/main">
+  <p:cSld>
+    <p:spTree>
+      <p:nvGrpSpPr>
+        <p:cNvPr id="1" name=""/>
+        <p:cNvGrpSpPr/>
+        <p:nvPr/>
+      </p:nvGrpSpPr>
+      <p:grpSpPr>
+        <a:xfrm>
+          <a:off x="0" y="0"/>
+          <a:ext cx="0" cy="0"/>
+          <a:chOff x="0" y="0"/>
+          <a:chExt cx="0" cy="0"/>
+        </a:xfrm>
+      </p:grpSpPr>
+      <p:sp>
+        <p:nvSpPr>
+          <p:cNvPr id="10" name="Rectangle: Rounded Corners 9">
+            <a:extLst>
+              <a:ext uri="{FF2B5EF4-FFF2-40B4-BE49-F238E27FC236}">
+                <a16:creationId xmlns:a16="http://schemas.microsoft.com/office/drawing/2014/main" id="{D27BDEFB-1B67-42E4-A386-DA14CEF514F4}"/>
+              </a:ext>
+            </a:extLst>
+          </p:cNvPr>
+          <p:cNvSpPr/>
+          <p:nvPr/>
+        </p:nvSpPr>
+        <p:spPr>
+          <a:xfrm>
+            <a:off x="2283472" y="1590675"/>
+            <a:ext cx="1419225" cy="571500"/>
+          </a:xfrm>
+          <a:prstGeom prst="roundRect">
+            <a:avLst/>
+          </a:prstGeom>
+          <a:solidFill>
+            <a:schemeClr val="bg1"/>
+          </a:solidFill>
+          <a:ln>
+            <a:solidFill>
+              <a:schemeClr val="tx1"/>
+            </a:solidFill>
+          </a:ln>
+        </p:spPr>
+        <p:style>
+          <a:lnRef idx="2">
+            <a:schemeClr val="accent1">
+              <a:shade val="50000"/>
+            </a:schemeClr>
+          </a:lnRef>
+          <a:fillRef idx="1">
+            <a:schemeClr val="accent1"/>
+          </a:fillRef>
+          <a:effectRef idx="0">
+            <a:schemeClr val="accent1"/>
+          </a:effectRef>
+          <a:fontRef idx="minor">
+            <a:schemeClr val="lt1"/>
+          </a:fontRef>
+        </p:style>
+        <p:txBody>
+          <a:bodyPr rtlCol="0" anchor="ctr"/>
+          <a:lstStyle/>
+          <a:p>
+            <a:pPr algn="ctr"/>
+            <a:endParaRPr lang="pt-BR"/>
+          </a:p>
+        </p:txBody>
+      </p:sp>
+      <p:sp>
+        <p:nvSpPr>
+          <p:cNvPr id="6" name="Rectangle: Rounded Corners 5">
+            <a:extLst>
+              <a:ext uri="{FF2B5EF4-FFF2-40B4-BE49-F238E27FC236}">
+                <a16:creationId xmlns:a16="http://schemas.microsoft.com/office/drawing/2014/main" id="{A3D74C90-9DCE-4984-B7C8-B7D56B4CAC30}"/>
+              </a:ext>
+            </a:extLst>
+          </p:cNvPr>
+          <p:cNvSpPr/>
+          <p:nvPr/>
+        </p:nvSpPr>
+        <p:spPr>
+          <a:xfrm>
+            <a:off x="2284974" y="1904999"/>
+            <a:ext cx="1419225" cy="2123659"/>
+          </a:xfrm>
+          <a:prstGeom prst="roundRect">
+            <a:avLst/>
+          </a:prstGeom>
+          <a:solidFill>
+            <a:schemeClr val="bg1"/>
+          </a:solidFill>
+          <a:ln>
+            <a:solidFill>
+              <a:schemeClr val="tx1"/>
+            </a:solidFill>
+          </a:ln>
+        </p:spPr>
+        <p:style>
+          <a:lnRef idx="2">
+            <a:schemeClr val="accent1">
+              <a:shade val="50000"/>
+            </a:schemeClr>
+          </a:lnRef>
+          <a:fillRef idx="1">
+            <a:schemeClr val="accent1"/>
+          </a:fillRef>
+          <a:effectRef idx="0">
+            <a:schemeClr val="accent1"/>
+          </a:effectRef>
+          <a:fontRef idx="minor">
+            <a:schemeClr val="lt1"/>
+          </a:fontRef>
+        </p:style>
+        <p:txBody>
+          <a:bodyPr rtlCol="0" anchor="ctr"/>
+          <a:lstStyle/>
+          <a:p>
+            <a:pPr algn="ctr"/>
+            <a:endParaRPr lang="pt-BR"/>
+          </a:p>
+        </p:txBody>
+      </p:sp>
+      <p:sp>
+        <p:nvSpPr>
+          <p:cNvPr id="5" name="TextBox 4">
+            <a:extLst>
+              <a:ext uri="{FF2B5EF4-FFF2-40B4-BE49-F238E27FC236}">
+                <a16:creationId xmlns:a16="http://schemas.microsoft.com/office/drawing/2014/main" id="{ADDFE1BF-E5F9-4F2D-93E0-5B37F7009F27}"/>
+              </a:ext>
+            </a:extLst>
+          </p:cNvPr>
+          <p:cNvSpPr txBox="1"/>
+          <p:nvPr/>
+        </p:nvSpPr>
+        <p:spPr>
+          <a:xfrm>
+            <a:off x="2289849" y="1905000"/>
+            <a:ext cx="1409360" cy="2108269"/>
+          </a:xfrm>
+          <a:prstGeom prst="rect">
+            <a:avLst/>
+          </a:prstGeom>
+          <a:noFill/>
+        </p:spPr>
+        <p:txBody>
+          <a:bodyPr wrap="none" rtlCol="0">
+            <a:spAutoFit/>
+          </a:bodyPr>
+          <a:lstStyle/>
+          <a:p>
+            <a:pPr algn="ctr"/>
+            <a:r>
+              <a:rPr lang="pt-BR" sz="1200" dirty="0"/>
+              <a:t>♪ Ouça essa canção</a:t>
+            </a:r>
+          </a:p>
+          <a:p>
+            <a:pPr algn="ctr"/>
+            <a:r>
+              <a:rPr lang="pt-BR" sz="1200" b="1" dirty="0"/>
+              <a:t>online</a:t>
+            </a:r>
+          </a:p>
+          <a:p>
+            <a:pPr algn="ctr"/>
+            <a:endParaRPr lang="pt-BR" sz="1200" dirty="0"/>
+          </a:p>
+          <a:p>
+            <a:pPr algn="ctr"/>
+            <a:endParaRPr lang="pt-BR" sz="1200" dirty="0"/>
+          </a:p>
+          <a:p>
+            <a:pPr algn="ctr"/>
+            <a:endParaRPr lang="pt-BR" sz="1200" dirty="0"/>
+          </a:p>
+          <a:p>
+            <a:pPr algn="ctr"/>
+            <a:endParaRPr lang="pt-BR" sz="1200" dirty="0"/>
+          </a:p>
+          <a:p>
+            <a:pPr algn="ctr"/>
+            <a:endParaRPr lang="pt-BR" sz="1200" dirty="0"/>
+          </a:p>
+          <a:p>
+            <a:pPr algn="ctr"/>
+            <a:endParaRPr lang="pt-BR" sz="1200" dirty="0"/>
+          </a:p>
+          <a:p>
+            <a:pPr algn="ctr"/>
+            <a:endParaRPr lang="pt-BR" sz="1200" dirty="0"/>
+          </a:p>
+          <a:p>
+            <a:pPr algn="ctr"/>
+            <a:endParaRPr lang="pt-BR" sz="1200" dirty="0"/>
+          </a:p>
+          <a:p>
+            <a:pPr algn="ctr"/>
+            <a:r>
+              <a:rPr lang="pt-BR" sz="1100" dirty="0"/>
+              <a:t>https://goo.gl/TBHjSr</a:t>
+            </a:r>
+          </a:p>
+        </p:txBody>
+      </p:sp>
+      <p:sp>
+        <p:nvSpPr>
+          <p:cNvPr id="8" name="TextBox 7">
+            <a:extLst>
+              <a:ext uri="{FF2B5EF4-FFF2-40B4-BE49-F238E27FC236}">
+                <a16:creationId xmlns:a16="http://schemas.microsoft.com/office/drawing/2014/main" id="{39DCEF8A-1E45-4C7B-AB78-10BB98F440AB}"/>
+              </a:ext>
+            </a:extLst>
+          </p:cNvPr>
+          <p:cNvSpPr txBox="1"/>
+          <p:nvPr/>
+        </p:nvSpPr>
+        <p:spPr>
+          <a:xfrm>
+            <a:off x="2482219" y="1628000"/>
+            <a:ext cx="1021626" cy="276999"/>
+          </a:xfrm>
+          <a:prstGeom prst="rect">
+            <a:avLst/>
+          </a:prstGeom>
+          <a:noFill/>
+        </p:spPr>
+        <p:txBody>
+          <a:bodyPr wrap="none" rtlCol="0">
+            <a:spAutoFit/>
+          </a:bodyPr>
+          <a:lstStyle/>
+          <a:p>
+            <a:pPr algn="ctr"/>
+            <a:r>
+              <a:rPr lang="pt-BR" sz="1200" dirty="0">
+                <a:latin typeface="+mj-lt"/>
+              </a:rPr>
+              <a:t>Morar no céu</a:t>
+            </a:r>
+          </a:p>
+        </p:txBody>
+      </p:sp>
+      <p:sp>
+        <p:nvSpPr>
+          <p:cNvPr id="16" name="Rectangle: Rounded Corners 15">
+            <a:extLst>
+              <a:ext uri="{FF2B5EF4-FFF2-40B4-BE49-F238E27FC236}">
+                <a16:creationId xmlns:a16="http://schemas.microsoft.com/office/drawing/2014/main" id="{4617E5D8-E73A-45E7-A384-8D236C5999B7}"/>
+              </a:ext>
+            </a:extLst>
+          </p:cNvPr>
+          <p:cNvSpPr/>
+          <p:nvPr/>
+        </p:nvSpPr>
+        <p:spPr>
+          <a:xfrm>
+            <a:off x="3997972" y="1447800"/>
+            <a:ext cx="1419225" cy="714375"/>
+          </a:xfrm>
+          <a:prstGeom prst="roundRect">
+            <a:avLst/>
+          </a:prstGeom>
+          <a:solidFill>
+            <a:schemeClr val="bg1"/>
+          </a:solidFill>
+          <a:ln>
+            <a:solidFill>
+              <a:schemeClr val="tx1"/>
+            </a:solidFill>
+          </a:ln>
+        </p:spPr>
+        <p:style>
+          <a:lnRef idx="2">
+            <a:schemeClr val="accent1">
+              <a:shade val="50000"/>
+            </a:schemeClr>
+          </a:lnRef>
+          <a:fillRef idx="1">
+            <a:schemeClr val="accent1"/>
+          </a:fillRef>
+          <a:effectRef idx="0">
+            <a:schemeClr val="accent1"/>
+          </a:effectRef>
+          <a:fontRef idx="minor">
+            <a:schemeClr val="lt1"/>
+          </a:fontRef>
+        </p:style>
+        <p:txBody>
+          <a:bodyPr rtlCol="0" anchor="ctr"/>
+          <a:lstStyle/>
+          <a:p>
+            <a:pPr algn="ctr"/>
+            <a:endParaRPr lang="pt-BR"/>
+          </a:p>
+        </p:txBody>
+      </p:sp>
+      <p:sp>
+        <p:nvSpPr>
+          <p:cNvPr id="17" name="Rectangle: Rounded Corners 16">
+            <a:extLst>
+              <a:ext uri="{FF2B5EF4-FFF2-40B4-BE49-F238E27FC236}">
+                <a16:creationId xmlns:a16="http://schemas.microsoft.com/office/drawing/2014/main" id="{35C9839A-6169-4A72-A155-9A5E9A42CC32}"/>
+              </a:ext>
+            </a:extLst>
+          </p:cNvPr>
+          <p:cNvSpPr/>
+          <p:nvPr/>
+        </p:nvSpPr>
+        <p:spPr>
+          <a:xfrm>
+            <a:off x="3999474" y="1904999"/>
+            <a:ext cx="1419225" cy="2123659"/>
+          </a:xfrm>
+          <a:prstGeom prst="roundRect">
+            <a:avLst/>
+          </a:prstGeom>
+          <a:solidFill>
+            <a:schemeClr val="bg1"/>
+          </a:solidFill>
+          <a:ln>
+            <a:solidFill>
+              <a:schemeClr val="tx1"/>
+            </a:solidFill>
+          </a:ln>
+        </p:spPr>
+        <p:style>
+          <a:lnRef idx="2">
+            <a:schemeClr val="accent1">
+              <a:shade val="50000"/>
+            </a:schemeClr>
+          </a:lnRef>
+          <a:fillRef idx="1">
+            <a:schemeClr val="accent1"/>
+          </a:fillRef>
+          <a:effectRef idx="0">
+            <a:schemeClr val="accent1"/>
+          </a:effectRef>
+          <a:fontRef idx="minor">
+            <a:schemeClr val="lt1"/>
+          </a:fontRef>
+        </p:style>
+        <p:txBody>
+          <a:bodyPr rtlCol="0" anchor="ctr"/>
+          <a:lstStyle/>
+          <a:p>
+            <a:pPr algn="ctr"/>
+            <a:endParaRPr lang="pt-BR"/>
+          </a:p>
+        </p:txBody>
+      </p:sp>
+      <p:sp>
+        <p:nvSpPr>
+          <p:cNvPr id="18" name="TextBox 17">
+            <a:extLst>
+              <a:ext uri="{FF2B5EF4-FFF2-40B4-BE49-F238E27FC236}">
+                <a16:creationId xmlns:a16="http://schemas.microsoft.com/office/drawing/2014/main" id="{A8A6F513-F91E-46EB-ACF0-2AE563614BCD}"/>
+              </a:ext>
+            </a:extLst>
+          </p:cNvPr>
+          <p:cNvSpPr txBox="1"/>
+          <p:nvPr/>
+        </p:nvSpPr>
+        <p:spPr>
+          <a:xfrm>
+            <a:off x="3955504" y="1905000"/>
+            <a:ext cx="1507143" cy="2108269"/>
+          </a:xfrm>
+          <a:prstGeom prst="rect">
+            <a:avLst/>
+          </a:prstGeom>
+          <a:noFill/>
+        </p:spPr>
+        <p:txBody>
+          <a:bodyPr wrap="none" rtlCol="0">
+            <a:spAutoFit/>
+          </a:bodyPr>
+          <a:lstStyle/>
+          <a:p>
+            <a:pPr algn="ctr"/>
+            <a:r>
+              <a:rPr lang="pt-BR" sz="1200" dirty="0"/>
+              <a:t>♪ Ouça essa canção</a:t>
+            </a:r>
+          </a:p>
+          <a:p>
+            <a:pPr algn="ctr"/>
+            <a:r>
+              <a:rPr lang="pt-BR" sz="1200" b="1" dirty="0"/>
+              <a:t>online</a:t>
+            </a:r>
+          </a:p>
+          <a:p>
+            <a:pPr algn="ctr"/>
+            <a:endParaRPr lang="pt-BR" sz="1200" dirty="0"/>
+          </a:p>
+          <a:p>
+            <a:pPr algn="ctr"/>
+            <a:endParaRPr lang="pt-BR" sz="1200" dirty="0"/>
+          </a:p>
+          <a:p>
+            <a:pPr algn="ctr"/>
+            <a:endParaRPr lang="pt-BR" sz="1200" dirty="0"/>
+          </a:p>
+          <a:p>
+            <a:pPr algn="ctr"/>
+            <a:endParaRPr lang="pt-BR" sz="1200" dirty="0"/>
+          </a:p>
+          <a:p>
+            <a:pPr algn="ctr"/>
+            <a:endParaRPr lang="pt-BR" sz="1200" dirty="0"/>
+          </a:p>
+          <a:p>
+            <a:pPr algn="ctr"/>
+            <a:endParaRPr lang="pt-BR" sz="1200" dirty="0"/>
+          </a:p>
+          <a:p>
+            <a:pPr algn="ctr"/>
+            <a:endParaRPr lang="pt-BR" sz="1200" dirty="0"/>
+          </a:p>
+          <a:p>
+            <a:pPr algn="ctr"/>
+            <a:endParaRPr lang="pt-BR" sz="1200" dirty="0"/>
+          </a:p>
+          <a:p>
+            <a:pPr algn="ctr"/>
+            <a:r>
+              <a:rPr lang="pt-BR" sz="1100" dirty="0"/>
+              <a:t>https://goo.gl/mFRDqZ</a:t>
+            </a:r>
+          </a:p>
+        </p:txBody>
+      </p:sp>
+      <p:sp>
+        <p:nvSpPr>
+          <p:cNvPr id="19" name="TextBox 18">
+            <a:extLst>
+              <a:ext uri="{FF2B5EF4-FFF2-40B4-BE49-F238E27FC236}">
+                <a16:creationId xmlns:a16="http://schemas.microsoft.com/office/drawing/2014/main" id="{E786EDCC-BC65-46A7-BEEE-9B613BD5F082}"/>
+              </a:ext>
+            </a:extLst>
+          </p:cNvPr>
+          <p:cNvSpPr txBox="1"/>
+          <p:nvPr/>
+        </p:nvSpPr>
+        <p:spPr>
+          <a:xfrm>
+            <a:off x="4017891" y="1456550"/>
+            <a:ext cx="1399306" cy="461665"/>
+          </a:xfrm>
+          <a:prstGeom prst="rect">
+            <a:avLst/>
+          </a:prstGeom>
+          <a:noFill/>
+        </p:spPr>
+        <p:txBody>
+          <a:bodyPr wrap="square" rtlCol="0">
+            <a:spAutoFit/>
+          </a:bodyPr>
+          <a:lstStyle/>
+          <a:p>
+            <a:pPr algn="ctr"/>
+            <a:r>
+              <a:rPr lang="pt-BR" sz="1200" dirty="0">
+                <a:latin typeface="+mj-lt"/>
+              </a:rPr>
+              <a:t>Mesmo assim te louvarei</a:t>
+            </a:r>
+          </a:p>
+        </p:txBody>
+      </p:sp>
+      <p:pic>
+        <p:nvPicPr>
+          <p:cNvPr id="60" name="Picture 59">
+            <a:extLst>
+              <a:ext uri="{FF2B5EF4-FFF2-40B4-BE49-F238E27FC236}">
+                <a16:creationId xmlns:a16="http://schemas.microsoft.com/office/drawing/2014/main" id="{ABF0D1FB-089B-46AE-8D0F-EC7ED4BE9997}"/>
+              </a:ext>
+            </a:extLst>
+          </p:cNvPr>
+          <p:cNvPicPr>
+            <a:picLocks noChangeAspect="1"/>
+          </p:cNvPicPr>
+          <p:nvPr/>
+        </p:nvPicPr>
+        <p:blipFill>
+          <a:blip r:embed="rId2"/>
+          <a:stretch>
+            <a:fillRect/>
+          </a:stretch>
+        </p:blipFill>
+        <p:spPr>
+          <a:xfrm>
+            <a:off x="4008999" y="2342729"/>
+            <a:ext cx="1409700" cy="1409700"/>
+          </a:xfrm>
+          <a:prstGeom prst="rect">
+            <a:avLst/>
+          </a:prstGeom>
+        </p:spPr>
+      </p:pic>
+      <p:pic>
+        <p:nvPicPr>
+          <p:cNvPr id="66" name="Picture 65">
+            <a:extLst>
+              <a:ext uri="{FF2B5EF4-FFF2-40B4-BE49-F238E27FC236}">
+                <a16:creationId xmlns:a16="http://schemas.microsoft.com/office/drawing/2014/main" id="{71F77466-C0A6-4F4E-A9F4-71400AE01232}"/>
+              </a:ext>
+            </a:extLst>
+          </p:cNvPr>
+          <p:cNvPicPr>
+            <a:picLocks noChangeAspect="1"/>
+          </p:cNvPicPr>
+          <p:nvPr/>
+        </p:nvPicPr>
+        <p:blipFill>
+          <a:blip r:embed="rId3"/>
+          <a:stretch>
+            <a:fillRect/>
+          </a:stretch>
+        </p:blipFill>
+        <p:spPr>
+          <a:xfrm>
+            <a:off x="2299262" y="2342729"/>
+            <a:ext cx="1409700" cy="1409700"/>
+          </a:xfrm>
+          <a:prstGeom prst="rect">
+            <a:avLst/>
+          </a:prstGeom>
+        </p:spPr>
+      </p:pic>
+    </p:spTree>
+    <p:extLst>
+      <p:ext uri="{BB962C8B-B14F-4D97-AF65-F5344CB8AC3E}">
+        <p14:creationId xmlns:p14="http://schemas.microsoft.com/office/powerpoint/2010/main" val="3244359910"/>
       </p:ext>
     </p:extLst>
   </p:cSld>

--- a/Presentation.pptx
+++ b/Presentation.pptx
@@ -247,7 +247,7 @@
           <a:p>
             <a:fld id="{9E817F71-193B-482B-87E9-66892252EB0B}" type="datetimeFigureOut">
               <a:rPr lang="pt-BR" smtClean="0"/>
-              <a:t>11/07/2018</a:t>
+              <a:t>20/07/2018</a:t>
             </a:fld>
             <a:endParaRPr lang="pt-BR"/>
           </a:p>
@@ -417,7 +417,7 @@
           <a:p>
             <a:fld id="{9E817F71-193B-482B-87E9-66892252EB0B}" type="datetimeFigureOut">
               <a:rPr lang="pt-BR" smtClean="0"/>
-              <a:t>11/07/2018</a:t>
+              <a:t>20/07/2018</a:t>
             </a:fld>
             <a:endParaRPr lang="pt-BR"/>
           </a:p>
@@ -597,7 +597,7 @@
           <a:p>
             <a:fld id="{9E817F71-193B-482B-87E9-66892252EB0B}" type="datetimeFigureOut">
               <a:rPr lang="pt-BR" smtClean="0"/>
-              <a:t>11/07/2018</a:t>
+              <a:t>20/07/2018</a:t>
             </a:fld>
             <a:endParaRPr lang="pt-BR"/>
           </a:p>
@@ -767,7 +767,7 @@
           <a:p>
             <a:fld id="{9E817F71-193B-482B-87E9-66892252EB0B}" type="datetimeFigureOut">
               <a:rPr lang="pt-BR" smtClean="0"/>
-              <a:t>11/07/2018</a:t>
+              <a:t>20/07/2018</a:t>
             </a:fld>
             <a:endParaRPr lang="pt-BR"/>
           </a:p>
@@ -1013,7 +1013,7 @@
           <a:p>
             <a:fld id="{9E817F71-193B-482B-87E9-66892252EB0B}" type="datetimeFigureOut">
               <a:rPr lang="pt-BR" smtClean="0"/>
-              <a:t>11/07/2018</a:t>
+              <a:t>20/07/2018</a:t>
             </a:fld>
             <a:endParaRPr lang="pt-BR"/>
           </a:p>
@@ -1245,7 +1245,7 @@
           <a:p>
             <a:fld id="{9E817F71-193B-482B-87E9-66892252EB0B}" type="datetimeFigureOut">
               <a:rPr lang="pt-BR" smtClean="0"/>
-              <a:t>11/07/2018</a:t>
+              <a:t>20/07/2018</a:t>
             </a:fld>
             <a:endParaRPr lang="pt-BR"/>
           </a:p>
@@ -1612,7 +1612,7 @@
           <a:p>
             <a:fld id="{9E817F71-193B-482B-87E9-66892252EB0B}" type="datetimeFigureOut">
               <a:rPr lang="pt-BR" smtClean="0"/>
-              <a:t>11/07/2018</a:t>
+              <a:t>20/07/2018</a:t>
             </a:fld>
             <a:endParaRPr lang="pt-BR"/>
           </a:p>
@@ -1730,7 +1730,7 @@
           <a:p>
             <a:fld id="{9E817F71-193B-482B-87E9-66892252EB0B}" type="datetimeFigureOut">
               <a:rPr lang="pt-BR" smtClean="0"/>
-              <a:t>11/07/2018</a:t>
+              <a:t>20/07/2018</a:t>
             </a:fld>
             <a:endParaRPr lang="pt-BR"/>
           </a:p>
@@ -1825,7 +1825,7 @@
           <a:p>
             <a:fld id="{9E817F71-193B-482B-87E9-66892252EB0B}" type="datetimeFigureOut">
               <a:rPr lang="pt-BR" smtClean="0"/>
-              <a:t>11/07/2018</a:t>
+              <a:t>20/07/2018</a:t>
             </a:fld>
             <a:endParaRPr lang="pt-BR"/>
           </a:p>
@@ -2102,7 +2102,7 @@
           <a:p>
             <a:fld id="{9E817F71-193B-482B-87E9-66892252EB0B}" type="datetimeFigureOut">
               <a:rPr lang="pt-BR" smtClean="0"/>
-              <a:t>11/07/2018</a:t>
+              <a:t>20/07/2018</a:t>
             </a:fld>
             <a:endParaRPr lang="pt-BR"/>
           </a:p>
@@ -2355,7 +2355,7 @@
           <a:p>
             <a:fld id="{9E817F71-193B-482B-87E9-66892252EB0B}" type="datetimeFigureOut">
               <a:rPr lang="pt-BR" smtClean="0"/>
-              <a:t>11/07/2018</a:t>
+              <a:t>20/07/2018</a:t>
             </a:fld>
             <a:endParaRPr lang="pt-BR"/>
           </a:p>
@@ -2568,7 +2568,7 @@
           <a:p>
             <a:fld id="{9E817F71-193B-482B-87E9-66892252EB0B}" type="datetimeFigureOut">
               <a:rPr lang="pt-BR" smtClean="0"/>
-              <a:t>11/07/2018</a:t>
+              <a:t>20/07/2018</a:t>
             </a:fld>
             <a:endParaRPr lang="pt-BR"/>
           </a:p>
@@ -3053,8 +3053,8 @@
         </p:nvSpPr>
         <p:spPr>
           <a:xfrm>
-            <a:off x="4746239" y="1459290"/>
-            <a:ext cx="2509020" cy="1446550"/>
+            <a:off x="4520600" y="1459290"/>
+            <a:ext cx="2960299" cy="1446550"/>
           </a:xfrm>
           <a:prstGeom prst="rect">
             <a:avLst/>
@@ -3075,7 +3075,7 @@
                 </a:solidFill>
                 <a:latin typeface="BadaBoom BB" panose="02000506020000020004" pitchFamily="2" charset="0"/>
               </a:rPr>
-              <a:t>Titletit</a:t>
+              <a:t>Terceiro</a:t>
             </a:r>
           </a:p>
           <a:p>
@@ -3087,7 +3087,7 @@
                 </a:solidFill>
                 <a:latin typeface="BadaBoom BB" panose="02000506020000020004" pitchFamily="2" charset="0"/>
               </a:rPr>
-              <a:t>Titletitle?</a:t>
+              <a:t>Testamento?</a:t>
             </a:r>
           </a:p>
         </p:txBody>
@@ -3106,8 +3106,8 @@
         </p:nvSpPr>
         <p:spPr>
           <a:xfrm>
-            <a:off x="4888337" y="614282"/>
-            <a:ext cx="2199512" cy="769441"/>
+            <a:off x="4542024" y="614282"/>
+            <a:ext cx="2892138" cy="769441"/>
           </a:xfrm>
           <a:prstGeom prst="rect">
             <a:avLst/>
@@ -3125,7 +3125,7 @@
               <a:rPr lang="pt-BR" sz="4400" dirty="0">
                 <a:latin typeface="SF Cartoonist Hand" panose="02000506000000020003" pitchFamily="2" charset="0"/>
               </a:rPr>
-              <a:t>Title Titletit</a:t>
+              <a:t>Ainda precisam</a:t>
             </a:r>
           </a:p>
         </p:txBody>
@@ -3144,8 +3144,8 @@
         </p:nvSpPr>
         <p:spPr>
           <a:xfrm>
-            <a:off x="5691249" y="1174888"/>
-            <a:ext cx="593689" cy="461665"/>
+            <a:off x="5604814" y="1174888"/>
+            <a:ext cx="766557" cy="461665"/>
           </a:xfrm>
           <a:prstGeom prst="rect">
             <a:avLst/>
@@ -3162,7 +3162,7 @@
               <a:rPr lang="pt-BR" sz="2400" dirty="0">
                 <a:latin typeface="SF Cartoonist Hand" panose="02000506000000020003" pitchFamily="2" charset="0"/>
               </a:rPr>
-              <a:t>Ti Tl</a:t>
+              <a:t>de um</a:t>
             </a:r>
           </a:p>
         </p:txBody>
